--- a/powerpoint-template/trusthlt-slides-template.pptx
+++ b/powerpoint-template/trusthlt-slides-template.pptx
@@ -123,7 +123,7 @@
       </p:grpSpPr>
       <p:sp>
         <p:nvSpPr>
-          <p:cNvPr id="139887664" name="Title 1"/>
+          <p:cNvPr id="1029175907" name="Title 1"/>
           <p:cNvSpPr>
             <a:spLocks noGrp="1"/>
           </p:cNvSpPr>
@@ -184,7 +184,7 @@
       </p:sp>
       <p:sp>
         <p:nvSpPr>
-          <p:cNvPr id="1663813372" name="Subtitle 2"/>
+          <p:cNvPr id="1524000899" name="Subtitle 2"/>
           <p:cNvSpPr>
             <a:spLocks noGrp="1"/>
           </p:cNvSpPr>
@@ -288,7 +288,7 @@
       </p:sp>
       <p:pic>
         <p:nvPicPr>
-          <p:cNvPr id="1358722714" name=""/>
+          <p:cNvPr id="1749027021" name=""/>
           <p:cNvPicPr>
             <a:picLocks noChangeAspect="1"/>
           </p:cNvPicPr>
@@ -306,17 +306,91 @@
         </p:blipFill>
         <p:spPr bwMode="auto">
           <a:xfrm flipH="0" flipV="0">
-            <a:off x="10137744" y="4588485"/>
-            <a:ext cx="1807090" cy="593918"/>
+            <a:off x="8811562" y="6228746"/>
+            <a:ext cx="3133273" cy="290341"/>
           </a:xfrm>
           <a:prstGeom prst="rect">
             <a:avLst/>
           </a:prstGeom>
         </p:spPr>
       </p:pic>
+      <p:sp>
+        <p:nvSpPr>
+          <p:cNvPr id="734105882" name=""/>
+          <p:cNvSpPr txBox="1"/>
+          <p:nvPr/>
+        </p:nvSpPr>
+        <p:spPr bwMode="auto">
+          <a:xfrm rot="0" flipH="0" flipV="0">
+            <a:off x="390523" y="5695767"/>
+            <a:ext cx="7451660" cy="823319"/>
+          </a:xfrm>
+          <a:prstGeom prst="rect">
+            <a:avLst/>
+          </a:prstGeom>
+          <a:noFill/>
+        </p:spPr>
+        <p:txBody>
+          <a:bodyPr vertOverflow="overflow" horzOverflow="overflow" vert="horz" wrap="square" lIns="91440" tIns="45720" rIns="91440" bIns="45720" numCol="1" spcCol="0" rtlCol="0" fromWordArt="0" anchor="t" anchorCtr="0" forceAA="0" upright="0" compatLnSpc="0">
+            <a:spAutoFit/>
+          </a:bodyPr>
+          <a:p>
+            <a:pPr>
+              <a:defRPr/>
+            </a:pPr>
+            <a:r>
+              <a:rPr sz="1600">
+                <a:latin typeface="RubFlama Light"/>
+                <a:ea typeface="RubFlama Light"/>
+                <a:cs typeface="RubFlama Light"/>
+              </a:rPr>
+              <a:t>www.trusthlt.org</a:t>
+            </a:r>
+            <a:endParaRPr sz="1600">
+              <a:latin typeface="RubFlama Light"/>
+              <a:cs typeface="RubFlama Light"/>
+            </a:endParaRPr>
+          </a:p>
+          <a:p>
+            <a:pPr>
+              <a:defRPr/>
+            </a:pPr>
+            <a:r>
+              <a:rPr sz="1600">
+                <a:latin typeface="RubFlama Light"/>
+                <a:ea typeface="RubFlama Light"/>
+                <a:cs typeface="RubFlama Light"/>
+              </a:rPr>
+              <a:t>Chair of Trustworthy Human Language Technologies (TrustHLT)</a:t>
+            </a:r>
+            <a:endParaRPr sz="1600">
+              <a:latin typeface="RubFlama Light"/>
+              <a:ea typeface="RubFlama Light"/>
+              <a:cs typeface="RubFlama Light"/>
+            </a:endParaRPr>
+          </a:p>
+          <a:p>
+            <a:pPr>
+              <a:defRPr/>
+            </a:pPr>
+            <a:r>
+              <a:rPr sz="1600">
+                <a:latin typeface="RubFlama Light"/>
+                <a:ea typeface="RubFlama Light"/>
+                <a:cs typeface="RubFlama Light"/>
+              </a:rPr>
+              <a:t>Ruhr University Bochu &amp; Research Center Trustworthy Data Science and Security</a:t>
+            </a:r>
+            <a:endParaRPr sz="1600">
+              <a:latin typeface="RubFlama Light"/>
+              <a:cs typeface="RubFlama Light"/>
+            </a:endParaRPr>
+          </a:p>
+        </p:txBody>
+      </p:sp>
       <p:pic>
         <p:nvPicPr>
-          <p:cNvPr id="982812847" name=""/>
+          <p:cNvPr id="1948865148" name=""/>
           <p:cNvPicPr>
             <a:picLocks noChangeAspect="1"/>
           </p:cNvPicPr>
@@ -334,91 +408,17 @@
         </p:blipFill>
         <p:spPr bwMode="auto">
           <a:xfrm flipH="0" flipV="0">
-            <a:off x="8811562" y="6228746"/>
-            <a:ext cx="3133273" cy="290341"/>
+            <a:off x="9397716" y="5452062"/>
+            <a:ext cx="2547119" cy="487410"/>
           </a:xfrm>
           <a:prstGeom prst="rect">
             <a:avLst/>
           </a:prstGeom>
         </p:spPr>
       </p:pic>
-      <p:sp>
-        <p:nvSpPr>
-          <p:cNvPr id="722747894" name=""/>
-          <p:cNvSpPr txBox="1"/>
-          <p:nvPr/>
-        </p:nvSpPr>
-        <p:spPr bwMode="auto">
-          <a:xfrm rot="0" flipH="0" flipV="0">
-            <a:off x="390523" y="5695767"/>
-            <a:ext cx="7451660" cy="823319"/>
-          </a:xfrm>
-          <a:prstGeom prst="rect">
-            <a:avLst/>
-          </a:prstGeom>
-          <a:noFill/>
-        </p:spPr>
-        <p:txBody>
-          <a:bodyPr vertOverflow="overflow" horzOverflow="overflow" vert="horz" wrap="square" lIns="91440" tIns="45720" rIns="91440" bIns="45720" numCol="1" spcCol="0" rtlCol="0" fromWordArt="0" anchor="t" anchorCtr="0" forceAA="0" upright="0" compatLnSpc="0">
-            <a:spAutoFit/>
-          </a:bodyPr>
-          <a:p>
-            <a:pPr>
-              <a:defRPr/>
-            </a:pPr>
-            <a:r>
-              <a:rPr sz="1600">
-                <a:latin typeface="RubFlama Light"/>
-                <a:ea typeface="RubFlama Light"/>
-                <a:cs typeface="RubFlama Light"/>
-              </a:rPr>
-              <a:t>www.trusthlt.org</a:t>
-            </a:r>
-            <a:endParaRPr sz="1600">
-              <a:latin typeface="RubFlama Light"/>
-              <a:cs typeface="RubFlama Light"/>
-            </a:endParaRPr>
-          </a:p>
-          <a:p>
-            <a:pPr>
-              <a:defRPr/>
-            </a:pPr>
-            <a:r>
-              <a:rPr sz="1600">
-                <a:latin typeface="RubFlama Light"/>
-                <a:ea typeface="RubFlama Light"/>
-                <a:cs typeface="RubFlama Light"/>
-              </a:rPr>
-              <a:t>Chair of Trustworthy Human Language Technologies (TrustHLT)</a:t>
-            </a:r>
-            <a:endParaRPr sz="1600">
-              <a:latin typeface="RubFlama Light"/>
-              <a:ea typeface="RubFlama Light"/>
-              <a:cs typeface="RubFlama Light"/>
-            </a:endParaRPr>
-          </a:p>
-          <a:p>
-            <a:pPr>
-              <a:defRPr/>
-            </a:pPr>
-            <a:r>
-              <a:rPr sz="1600">
-                <a:latin typeface="RubFlama Light"/>
-                <a:ea typeface="RubFlama Light"/>
-                <a:cs typeface="RubFlama Light"/>
-              </a:rPr>
-              <a:t>Ruhr University Bochu &amp; Research Center Trustworthy Data Science and Security</a:t>
-            </a:r>
-            <a:endParaRPr sz="1600">
-              <a:latin typeface="RubFlama Light"/>
-              <a:cs typeface="RubFlama Light"/>
-            </a:endParaRPr>
-          </a:p>
-        </p:txBody>
-      </p:sp>
       <p:pic>
         <p:nvPicPr>
-          <p:cNvPr id="1493614301" name=""/>
+          <p:cNvPr id="1803868891" name=""/>
           <p:cNvPicPr>
             <a:picLocks noChangeAspect="1"/>
           </p:cNvPicPr>
@@ -436,8 +436,8 @@
         </p:blipFill>
         <p:spPr bwMode="auto">
           <a:xfrm flipH="0" flipV="0">
-            <a:off x="9397716" y="5452062"/>
-            <a:ext cx="2547119" cy="487410"/>
+            <a:off x="9597351" y="4314825"/>
+            <a:ext cx="2347483" cy="771524"/>
           </a:xfrm>
           <a:prstGeom prst="rect">
             <a:avLst/>
@@ -471,7 +471,7 @@
       </p:grpSpPr>
       <p:sp>
         <p:nvSpPr>
-          <p:cNvPr id="226189512" name="Title 1"/>
+          <p:cNvPr id="1509735681" name="Title 1"/>
           <p:cNvSpPr>
             <a:spLocks noGrp="1"/>
           </p:cNvSpPr>
@@ -497,7 +497,7 @@
       </p:sp>
       <p:sp>
         <p:nvSpPr>
-          <p:cNvPr id="1255329451" name="Content Placeholder 2"/>
+          <p:cNvPr id="536011906" name="Content Placeholder 2"/>
           <p:cNvSpPr>
             <a:spLocks noGrp="1"/>
           </p:cNvSpPr>
@@ -563,7 +563,7 @@
       </p:sp>
       <p:sp>
         <p:nvSpPr>
-          <p:cNvPr id="284541750" name="Footer Placeholder 4"/>
+          <p:cNvPr id="356496205" name="Footer Placeholder 4"/>
           <p:cNvSpPr>
             <a:spLocks noGrp="1"/>
           </p:cNvSpPr>
@@ -589,7 +589,7 @@
       </p:sp>
       <p:sp>
         <p:nvSpPr>
-          <p:cNvPr id="1809931987" name="Slide Number Placeholder 5"/>
+          <p:cNvPr id="1595788754" name="Slide Number Placeholder 5"/>
           <p:cNvSpPr>
             <a:spLocks noGrp="1"/>
           </p:cNvSpPr>
@@ -615,7 +615,7 @@
       </p:sp>
       <p:sp>
         <p:nvSpPr>
-          <p:cNvPr id="1932144179" name="Content Placeholder 7"/>
+          <p:cNvPr id="1625357895" name="Content Placeholder 7"/>
           <p:cNvSpPr>
             <a:spLocks noGrp="1"/>
           </p:cNvSpPr>
@@ -739,7 +739,7 @@
       </p:sp>
       <p:sp>
         <p:nvSpPr>
-          <p:cNvPr id="180604801" name=""/>
+          <p:cNvPr id="860788252" name=""/>
           <p:cNvSpPr txBox="1"/>
           <p:nvPr/>
         </p:nvSpPr>
@@ -794,7 +794,7 @@
       </p:sp>
       <p:pic>
         <p:nvPicPr>
-          <p:cNvPr id="586421104" name=""/>
+          <p:cNvPr id="373867255" name=""/>
           <p:cNvPicPr>
             <a:picLocks noChangeAspect="1"/>
           </p:cNvPicPr>
@@ -852,7 +852,7 @@
       </p:grpSpPr>
       <p:sp>
         <p:nvSpPr>
-          <p:cNvPr id="244085863" name="Title Placeholder 1"/>
+          <p:cNvPr id="1820790111" name="Title Placeholder 1"/>
           <p:cNvSpPr>
             <a:spLocks noGrp="1"/>
           </p:cNvSpPr>
@@ -979,7 +979,7 @@
       </p:sp>
       <p:sp>
         <p:nvSpPr>
-          <p:cNvPr id="29727416" name="Text Placeholder 2"/>
+          <p:cNvPr id="175338585" name="Text Placeholder 2"/>
           <p:cNvSpPr>
             <a:spLocks noGrp="1"/>
           </p:cNvSpPr>
@@ -1089,7 +1089,7 @@
       </p:sp>
       <p:sp>
         <p:nvSpPr>
-          <p:cNvPr id="340409475" name="Footer Placeholder 4"/>
+          <p:cNvPr id="1783880911" name="Footer Placeholder 4"/>
           <p:cNvSpPr>
             <a:spLocks noGrp="1"/>
           </p:cNvSpPr>
@@ -1214,7 +1214,7 @@
       </p:sp>
       <p:sp>
         <p:nvSpPr>
-          <p:cNvPr id="865645338" name="Slide Number Placeholder 5"/>
+          <p:cNvPr id="1192981498" name="Slide Number Placeholder 5"/>
           <p:cNvSpPr>
             <a:spLocks noGrp="1"/>
           </p:cNvSpPr>
